--- a/第一财经app项目重构建议.pptx
+++ b/第一财经app项目重构建议.pptx
@@ -7628,7 +7628,7 @@
                 <a:ea typeface="宋体" charset="0"/>
                 <a:sym typeface="+mn-ea"/>
               </a:rPr>
-              <a:t>第七：新技术：材料设计（</a:t>
+              <a:t>第七：材料设计（</a:t>
             </a:r>
             <a:r>
               <a:rPr lang="en-US" altLang="zh-CN" sz="2400">
